--- a/Slides/html_Aviation Events.pptx
+++ b/Slides/html_Aviation Events.pptx
@@ -4,6 +4,12 @@
   <p:sldMasterIdLst>
     <p:sldMasterId id="2147483648" r:id="rId1"/>
   </p:sldMasterIdLst>
+  <p:notesMasterIdLst>
+    <p:notesMasterId r:id="rId11"/>
+  </p:notesMasterIdLst>
+  <p:handoutMasterIdLst>
+    <p:handoutMasterId r:id="rId12"/>
+  </p:handoutMasterIdLst>
   <p:sldIdLst>
     <p:sldId id="281" r:id="rId2"/>
     <p:sldId id="326" r:id="rId3"/>
@@ -13,9 +19,10 @@
     <p:sldId id="329" r:id="rId7"/>
     <p:sldId id="320" r:id="rId8"/>
     <p:sldId id="323" r:id="rId9"/>
+    <p:sldId id="330" r:id="rId10"/>
   </p:sldIdLst>
   <p:sldSz cx="12192000" cy="6858000"/>
-  <p:notesSz cx="6858000" cy="9144000"/>
+  <p:notesSz cx="7315200" cy="9601200"/>
   <p:defaultTextStyle>
     <a:defPPr>
       <a:defRPr lang="en-US"/>
@@ -1850,6 +1857,546 @@
 </cs:chartStyle>
 </file>
 
+<file path=ppt/handoutMasters/handoutMaster1.xml><?xml version="1.0" encoding="utf-8"?>
+<p:handoutMaster xmlns:a="http://schemas.openxmlformats.org/drawingml/2006/main" xmlns:r="http://schemas.openxmlformats.org/officeDocument/2006/relationships" xmlns:p="http://schemas.openxmlformats.org/presentationml/2006/main">
+  <p:cSld>
+    <p:bg>
+      <p:bgRef idx="1001">
+        <a:schemeClr val="bg1"/>
+      </p:bgRef>
+    </p:bg>
+    <p:spTree>
+      <p:nvGrpSpPr>
+        <p:cNvPr id="1" name=""/>
+        <p:cNvGrpSpPr/>
+        <p:nvPr/>
+      </p:nvGrpSpPr>
+      <p:grpSpPr>
+        <a:xfrm>
+          <a:off x="0" y="0"/>
+          <a:ext cx="0" cy="0"/>
+          <a:chOff x="0" y="0"/>
+          <a:chExt cx="0" cy="0"/>
+        </a:xfrm>
+      </p:grpSpPr>
+      <p:sp>
+        <p:nvSpPr>
+          <p:cNvPr id="2" name="Header Placeholder 1">
+            <a:extLst>
+              <a:ext uri="{FF2B5EF4-FFF2-40B4-BE49-F238E27FC236}">
+                <a16:creationId xmlns:a16="http://schemas.microsoft.com/office/drawing/2014/main" id="{9E22F4D7-985B-4746-83D3-6FBA74621E6E}"/>
+              </a:ext>
+            </a:extLst>
+          </p:cNvPr>
+          <p:cNvSpPr>
+            <a:spLocks noGrp="1"/>
+          </p:cNvSpPr>
+          <p:nvPr>
+            <p:ph type="hdr" sz="quarter"/>
+          </p:nvPr>
+        </p:nvSpPr>
+        <p:spPr>
+          <a:xfrm>
+            <a:off x="0" y="0"/>
+            <a:ext cx="3170238" cy="481013"/>
+          </a:xfrm>
+          <a:prstGeom prst="rect">
+            <a:avLst/>
+          </a:prstGeom>
+        </p:spPr>
+        <p:txBody>
+          <a:bodyPr vert="horz" lIns="91440" tIns="45720" rIns="91440" bIns="45720" rtlCol="0"/>
+          <a:lstStyle>
+            <a:lvl1pPr algn="l">
+              <a:defRPr sz="1200"/>
+            </a:lvl1pPr>
+          </a:lstStyle>
+          <a:p>
+            <a:endParaRPr lang="en-US"/>
+          </a:p>
+        </p:txBody>
+      </p:sp>
+      <p:sp>
+        <p:nvSpPr>
+          <p:cNvPr id="3" name="Date Placeholder 2">
+            <a:extLst>
+              <a:ext uri="{FF2B5EF4-FFF2-40B4-BE49-F238E27FC236}">
+                <a16:creationId xmlns:a16="http://schemas.microsoft.com/office/drawing/2014/main" id="{B4545AAC-AB6A-43A5-BCA2-898113934F66}"/>
+              </a:ext>
+            </a:extLst>
+          </p:cNvPr>
+          <p:cNvSpPr>
+            <a:spLocks noGrp="1"/>
+          </p:cNvSpPr>
+          <p:nvPr>
+            <p:ph type="dt" sz="quarter" idx="1"/>
+          </p:nvPr>
+        </p:nvSpPr>
+        <p:spPr>
+          <a:xfrm>
+            <a:off x="4143375" y="0"/>
+            <a:ext cx="3170238" cy="481013"/>
+          </a:xfrm>
+          <a:prstGeom prst="rect">
+            <a:avLst/>
+          </a:prstGeom>
+        </p:spPr>
+        <p:txBody>
+          <a:bodyPr vert="horz" lIns="91440" tIns="45720" rIns="91440" bIns="45720" rtlCol="0"/>
+          <a:lstStyle>
+            <a:lvl1pPr algn="r">
+              <a:defRPr sz="1200"/>
+            </a:lvl1pPr>
+          </a:lstStyle>
+          <a:p>
+            <a:fld id="{3D7047F8-5242-4FB4-857F-AA6C1A784000}" type="datetimeFigureOut">
+              <a:rPr lang="en-US" smtClean="0"/>
+              <a:t>4/9/2020</a:t>
+            </a:fld>
+            <a:endParaRPr lang="en-US"/>
+          </a:p>
+        </p:txBody>
+      </p:sp>
+      <p:sp>
+        <p:nvSpPr>
+          <p:cNvPr id="4" name="Footer Placeholder 3">
+            <a:extLst>
+              <a:ext uri="{FF2B5EF4-FFF2-40B4-BE49-F238E27FC236}">
+                <a16:creationId xmlns:a16="http://schemas.microsoft.com/office/drawing/2014/main" id="{5A1440CD-4F5C-48A2-88F6-4740F281BE2E}"/>
+              </a:ext>
+            </a:extLst>
+          </p:cNvPr>
+          <p:cNvSpPr>
+            <a:spLocks noGrp="1"/>
+          </p:cNvSpPr>
+          <p:nvPr>
+            <p:ph type="ftr" sz="quarter" idx="2"/>
+          </p:nvPr>
+        </p:nvSpPr>
+        <p:spPr>
+          <a:xfrm>
+            <a:off x="0" y="9120188"/>
+            <a:ext cx="3170238" cy="481012"/>
+          </a:xfrm>
+          <a:prstGeom prst="rect">
+            <a:avLst/>
+          </a:prstGeom>
+        </p:spPr>
+        <p:txBody>
+          <a:bodyPr vert="horz" lIns="91440" tIns="45720" rIns="91440" bIns="45720" rtlCol="0" anchor="b"/>
+          <a:lstStyle>
+            <a:lvl1pPr algn="l">
+              <a:defRPr sz="1200"/>
+            </a:lvl1pPr>
+          </a:lstStyle>
+          <a:p>
+            <a:endParaRPr lang="en-US"/>
+          </a:p>
+        </p:txBody>
+      </p:sp>
+      <p:sp>
+        <p:nvSpPr>
+          <p:cNvPr id="5" name="Slide Number Placeholder 4">
+            <a:extLst>
+              <a:ext uri="{FF2B5EF4-FFF2-40B4-BE49-F238E27FC236}">
+                <a16:creationId xmlns:a16="http://schemas.microsoft.com/office/drawing/2014/main" id="{F9C08B84-37DD-4F4A-851B-D46FF615EB4B}"/>
+              </a:ext>
+            </a:extLst>
+          </p:cNvPr>
+          <p:cNvSpPr>
+            <a:spLocks noGrp="1"/>
+          </p:cNvSpPr>
+          <p:nvPr>
+            <p:ph type="sldNum" sz="quarter" idx="3"/>
+          </p:nvPr>
+        </p:nvSpPr>
+        <p:spPr>
+          <a:xfrm>
+            <a:off x="4143375" y="9120188"/>
+            <a:ext cx="3170238" cy="481012"/>
+          </a:xfrm>
+          <a:prstGeom prst="rect">
+            <a:avLst/>
+          </a:prstGeom>
+        </p:spPr>
+        <p:txBody>
+          <a:bodyPr vert="horz" lIns="91440" tIns="45720" rIns="91440" bIns="45720" rtlCol="0" anchor="b"/>
+          <a:lstStyle>
+            <a:lvl1pPr algn="r">
+              <a:defRPr sz="1200"/>
+            </a:lvl1pPr>
+          </a:lstStyle>
+          <a:p>
+            <a:fld id="{4CE314AD-7917-41D0-8DDE-16986B397E31}" type="slidenum">
+              <a:rPr lang="en-US" smtClean="0"/>
+              <a:t>‹#›</a:t>
+            </a:fld>
+            <a:endParaRPr lang="en-US"/>
+          </a:p>
+        </p:txBody>
+      </p:sp>
+    </p:spTree>
+    <p:extLst>
+      <p:ext uri="{BB962C8B-B14F-4D97-AF65-F5344CB8AC3E}">
+        <p14:creationId xmlns:p14="http://schemas.microsoft.com/office/powerpoint/2010/main" val="806681388"/>
+      </p:ext>
+    </p:extLst>
+  </p:cSld>
+  <p:clrMap bg1="lt1" tx1="dk1" bg2="lt2" tx2="dk2" accent1="accent1" accent2="accent2" accent3="accent3" accent4="accent4" accent5="accent5" accent6="accent6" hlink="hlink" folHlink="folHlink"/>
+  <p:hf hdr="0" ftr="0" dt="0"/>
+</p:handoutMaster>
+</file>
+
+<file path=ppt/notesMasters/notesMaster1.xml><?xml version="1.0" encoding="utf-8"?>
+<p:notesMaster xmlns:a="http://schemas.openxmlformats.org/drawingml/2006/main" xmlns:r="http://schemas.openxmlformats.org/officeDocument/2006/relationships" xmlns:p="http://schemas.openxmlformats.org/presentationml/2006/main">
+  <p:cSld>
+    <p:bg>
+      <p:bgRef idx="1001">
+        <a:schemeClr val="bg1"/>
+      </p:bgRef>
+    </p:bg>
+    <p:spTree>
+      <p:nvGrpSpPr>
+        <p:cNvPr id="1" name=""/>
+        <p:cNvGrpSpPr/>
+        <p:nvPr/>
+      </p:nvGrpSpPr>
+      <p:grpSpPr>
+        <a:xfrm>
+          <a:off x="0" y="0"/>
+          <a:ext cx="0" cy="0"/>
+          <a:chOff x="0" y="0"/>
+          <a:chExt cx="0" cy="0"/>
+        </a:xfrm>
+      </p:grpSpPr>
+      <p:sp>
+        <p:nvSpPr>
+          <p:cNvPr id="2" name="Header Placeholder 1"/>
+          <p:cNvSpPr>
+            <a:spLocks noGrp="1"/>
+          </p:cNvSpPr>
+          <p:nvPr>
+            <p:ph type="hdr" sz="quarter"/>
+          </p:nvPr>
+        </p:nvSpPr>
+        <p:spPr>
+          <a:xfrm>
+            <a:off x="0" y="0"/>
+            <a:ext cx="3170238" cy="481013"/>
+          </a:xfrm>
+          <a:prstGeom prst="rect">
+            <a:avLst/>
+          </a:prstGeom>
+        </p:spPr>
+        <p:txBody>
+          <a:bodyPr vert="horz" lIns="91440" tIns="45720" rIns="91440" bIns="45720" rtlCol="0"/>
+          <a:lstStyle>
+            <a:lvl1pPr algn="l">
+              <a:defRPr sz="1200"/>
+            </a:lvl1pPr>
+          </a:lstStyle>
+          <a:p>
+            <a:endParaRPr lang="en-US"/>
+          </a:p>
+        </p:txBody>
+      </p:sp>
+      <p:sp>
+        <p:nvSpPr>
+          <p:cNvPr id="3" name="Date Placeholder 2"/>
+          <p:cNvSpPr>
+            <a:spLocks noGrp="1"/>
+          </p:cNvSpPr>
+          <p:nvPr>
+            <p:ph type="dt" idx="1"/>
+          </p:nvPr>
+        </p:nvSpPr>
+        <p:spPr>
+          <a:xfrm>
+            <a:off x="4143375" y="0"/>
+            <a:ext cx="3170238" cy="481013"/>
+          </a:xfrm>
+          <a:prstGeom prst="rect">
+            <a:avLst/>
+          </a:prstGeom>
+        </p:spPr>
+        <p:txBody>
+          <a:bodyPr vert="horz" lIns="91440" tIns="45720" rIns="91440" bIns="45720" rtlCol="0"/>
+          <a:lstStyle>
+            <a:lvl1pPr algn="r">
+              <a:defRPr sz="1200"/>
+            </a:lvl1pPr>
+          </a:lstStyle>
+          <a:p>
+            <a:fld id="{D3D6B815-C57A-4323-A454-2061685B8757}" type="datetimeFigureOut">
+              <a:rPr lang="en-US" smtClean="0"/>
+              <a:t>4/9/2020</a:t>
+            </a:fld>
+            <a:endParaRPr lang="en-US"/>
+          </a:p>
+        </p:txBody>
+      </p:sp>
+      <p:sp>
+        <p:nvSpPr>
+          <p:cNvPr id="4" name="Slide Image Placeholder 3"/>
+          <p:cNvSpPr>
+            <a:spLocks noGrp="1" noRot="1" noChangeAspect="1"/>
+          </p:cNvSpPr>
+          <p:nvPr>
+            <p:ph type="sldImg" idx="2"/>
+          </p:nvPr>
+        </p:nvSpPr>
+        <p:spPr>
+          <a:xfrm>
+            <a:off x="777875" y="1200150"/>
+            <a:ext cx="5759450" cy="3240088"/>
+          </a:xfrm>
+          <a:prstGeom prst="rect">
+            <a:avLst/>
+          </a:prstGeom>
+          <a:noFill/>
+          <a:ln w="12700">
+            <a:solidFill>
+              <a:prstClr val="black"/>
+            </a:solidFill>
+          </a:ln>
+        </p:spPr>
+        <p:txBody>
+          <a:bodyPr vert="horz" lIns="91440" tIns="45720" rIns="91440" bIns="45720" rtlCol="0" anchor="ctr"/>
+          <a:lstStyle/>
+          <a:p>
+            <a:endParaRPr lang="en-US"/>
+          </a:p>
+        </p:txBody>
+      </p:sp>
+      <p:sp>
+        <p:nvSpPr>
+          <p:cNvPr id="5" name="Notes Placeholder 4"/>
+          <p:cNvSpPr>
+            <a:spLocks noGrp="1"/>
+          </p:cNvSpPr>
+          <p:nvPr>
+            <p:ph type="body" sz="quarter" idx="3"/>
+          </p:nvPr>
+        </p:nvSpPr>
+        <p:spPr>
+          <a:xfrm>
+            <a:off x="731838" y="4621213"/>
+            <a:ext cx="5851525" cy="3779837"/>
+          </a:xfrm>
+          <a:prstGeom prst="rect">
+            <a:avLst/>
+          </a:prstGeom>
+        </p:spPr>
+        <p:txBody>
+          <a:bodyPr vert="horz" lIns="91440" tIns="45720" rIns="91440" bIns="45720" rtlCol="0"/>
+          <a:lstStyle/>
+          <a:p>
+            <a:pPr lvl="0"/>
+            <a:r>
+              <a:rPr lang="en-US"/>
+              <a:t>Click to edit Master text styles</a:t>
+            </a:r>
+          </a:p>
+          <a:p>
+            <a:pPr lvl="1"/>
+            <a:r>
+              <a:rPr lang="en-US"/>
+              <a:t>Second level</a:t>
+            </a:r>
+          </a:p>
+          <a:p>
+            <a:pPr lvl="2"/>
+            <a:r>
+              <a:rPr lang="en-US"/>
+              <a:t>Third level</a:t>
+            </a:r>
+          </a:p>
+          <a:p>
+            <a:pPr lvl="3"/>
+            <a:r>
+              <a:rPr lang="en-US"/>
+              <a:t>Fourth level</a:t>
+            </a:r>
+          </a:p>
+          <a:p>
+            <a:pPr lvl="4"/>
+            <a:r>
+              <a:rPr lang="en-US"/>
+              <a:t>Fifth level</a:t>
+            </a:r>
+          </a:p>
+        </p:txBody>
+      </p:sp>
+      <p:sp>
+        <p:nvSpPr>
+          <p:cNvPr id="6" name="Footer Placeholder 5"/>
+          <p:cNvSpPr>
+            <a:spLocks noGrp="1"/>
+          </p:cNvSpPr>
+          <p:nvPr>
+            <p:ph type="ftr" sz="quarter" idx="4"/>
+          </p:nvPr>
+        </p:nvSpPr>
+        <p:spPr>
+          <a:xfrm>
+            <a:off x="0" y="9120188"/>
+            <a:ext cx="3170238" cy="481012"/>
+          </a:xfrm>
+          <a:prstGeom prst="rect">
+            <a:avLst/>
+          </a:prstGeom>
+        </p:spPr>
+        <p:txBody>
+          <a:bodyPr vert="horz" lIns="91440" tIns="45720" rIns="91440" bIns="45720" rtlCol="0" anchor="b"/>
+          <a:lstStyle>
+            <a:lvl1pPr algn="l">
+              <a:defRPr sz="1200"/>
+            </a:lvl1pPr>
+          </a:lstStyle>
+          <a:p>
+            <a:endParaRPr lang="en-US"/>
+          </a:p>
+        </p:txBody>
+      </p:sp>
+      <p:sp>
+        <p:nvSpPr>
+          <p:cNvPr id="7" name="Slide Number Placeholder 6"/>
+          <p:cNvSpPr>
+            <a:spLocks noGrp="1"/>
+          </p:cNvSpPr>
+          <p:nvPr>
+            <p:ph type="sldNum" sz="quarter" idx="5"/>
+          </p:nvPr>
+        </p:nvSpPr>
+        <p:spPr>
+          <a:xfrm>
+            <a:off x="4143375" y="9120188"/>
+            <a:ext cx="3170238" cy="481012"/>
+          </a:xfrm>
+          <a:prstGeom prst="rect">
+            <a:avLst/>
+          </a:prstGeom>
+        </p:spPr>
+        <p:txBody>
+          <a:bodyPr vert="horz" lIns="91440" tIns="45720" rIns="91440" bIns="45720" rtlCol="0" anchor="b"/>
+          <a:lstStyle>
+            <a:lvl1pPr algn="r">
+              <a:defRPr sz="1200"/>
+            </a:lvl1pPr>
+          </a:lstStyle>
+          <a:p>
+            <a:fld id="{BF2DF2D7-68F8-4094-A526-F3BA7D236750}" type="slidenum">
+              <a:rPr lang="en-US" smtClean="0"/>
+              <a:t>‹#›</a:t>
+            </a:fld>
+            <a:endParaRPr lang="en-US"/>
+          </a:p>
+        </p:txBody>
+      </p:sp>
+    </p:spTree>
+    <p:extLst>
+      <p:ext uri="{BB962C8B-B14F-4D97-AF65-F5344CB8AC3E}">
+        <p14:creationId xmlns:p14="http://schemas.microsoft.com/office/powerpoint/2010/main" val="607605265"/>
+      </p:ext>
+    </p:extLst>
+  </p:cSld>
+  <p:clrMap bg1="lt1" tx1="dk1" bg2="lt2" tx2="dk2" accent1="accent1" accent2="accent2" accent3="accent3" accent4="accent4" accent5="accent5" accent6="accent6" hlink="hlink" folHlink="folHlink"/>
+  <p:hf hdr="0" ftr="0" dt="0"/>
+  <p:notesStyle>
+    <a:lvl1pPr marL="0" algn="l" defTabSz="914400" rtl="0" eaLnBrk="1" latinLnBrk="0" hangingPunct="1">
+      <a:defRPr sz="1200" kern="1200">
+        <a:solidFill>
+          <a:schemeClr val="tx1"/>
+        </a:solidFill>
+        <a:latin typeface="+mn-lt"/>
+        <a:ea typeface="+mn-ea"/>
+        <a:cs typeface="+mn-cs"/>
+      </a:defRPr>
+    </a:lvl1pPr>
+    <a:lvl2pPr marL="457200" algn="l" defTabSz="914400" rtl="0" eaLnBrk="1" latinLnBrk="0" hangingPunct="1">
+      <a:defRPr sz="1200" kern="1200">
+        <a:solidFill>
+          <a:schemeClr val="tx1"/>
+        </a:solidFill>
+        <a:latin typeface="+mn-lt"/>
+        <a:ea typeface="+mn-ea"/>
+        <a:cs typeface="+mn-cs"/>
+      </a:defRPr>
+    </a:lvl2pPr>
+    <a:lvl3pPr marL="914400" algn="l" defTabSz="914400" rtl="0" eaLnBrk="1" latinLnBrk="0" hangingPunct="1">
+      <a:defRPr sz="1200" kern="1200">
+        <a:solidFill>
+          <a:schemeClr val="tx1"/>
+        </a:solidFill>
+        <a:latin typeface="+mn-lt"/>
+        <a:ea typeface="+mn-ea"/>
+        <a:cs typeface="+mn-cs"/>
+      </a:defRPr>
+    </a:lvl3pPr>
+    <a:lvl4pPr marL="1371600" algn="l" defTabSz="914400" rtl="0" eaLnBrk="1" latinLnBrk="0" hangingPunct="1">
+      <a:defRPr sz="1200" kern="1200">
+        <a:solidFill>
+          <a:schemeClr val="tx1"/>
+        </a:solidFill>
+        <a:latin typeface="+mn-lt"/>
+        <a:ea typeface="+mn-ea"/>
+        <a:cs typeface="+mn-cs"/>
+      </a:defRPr>
+    </a:lvl4pPr>
+    <a:lvl5pPr marL="1828800" algn="l" defTabSz="914400" rtl="0" eaLnBrk="1" latinLnBrk="0" hangingPunct="1">
+      <a:defRPr sz="1200" kern="1200">
+        <a:solidFill>
+          <a:schemeClr val="tx1"/>
+        </a:solidFill>
+        <a:latin typeface="+mn-lt"/>
+        <a:ea typeface="+mn-ea"/>
+        <a:cs typeface="+mn-cs"/>
+      </a:defRPr>
+    </a:lvl5pPr>
+    <a:lvl6pPr marL="2286000" algn="l" defTabSz="914400" rtl="0" eaLnBrk="1" latinLnBrk="0" hangingPunct="1">
+      <a:defRPr sz="1200" kern="1200">
+        <a:solidFill>
+          <a:schemeClr val="tx1"/>
+        </a:solidFill>
+        <a:latin typeface="+mn-lt"/>
+        <a:ea typeface="+mn-ea"/>
+        <a:cs typeface="+mn-cs"/>
+      </a:defRPr>
+    </a:lvl6pPr>
+    <a:lvl7pPr marL="2743200" algn="l" defTabSz="914400" rtl="0" eaLnBrk="1" latinLnBrk="0" hangingPunct="1">
+      <a:defRPr sz="1200" kern="1200">
+        <a:solidFill>
+          <a:schemeClr val="tx1"/>
+        </a:solidFill>
+        <a:latin typeface="+mn-lt"/>
+        <a:ea typeface="+mn-ea"/>
+        <a:cs typeface="+mn-cs"/>
+      </a:defRPr>
+    </a:lvl7pPr>
+    <a:lvl8pPr marL="3200400" algn="l" defTabSz="914400" rtl="0" eaLnBrk="1" latinLnBrk="0" hangingPunct="1">
+      <a:defRPr sz="1200" kern="1200">
+        <a:solidFill>
+          <a:schemeClr val="tx1"/>
+        </a:solidFill>
+        <a:latin typeface="+mn-lt"/>
+        <a:ea typeface="+mn-ea"/>
+        <a:cs typeface="+mn-cs"/>
+      </a:defRPr>
+    </a:lvl8pPr>
+    <a:lvl9pPr marL="3657600" algn="l" defTabSz="914400" rtl="0" eaLnBrk="1" latinLnBrk="0" hangingPunct="1">
+      <a:defRPr sz="1200" kern="1200">
+        <a:solidFill>
+          <a:schemeClr val="tx1"/>
+        </a:solidFill>
+        <a:latin typeface="+mn-lt"/>
+        <a:ea typeface="+mn-ea"/>
+        <a:cs typeface="+mn-cs"/>
+      </a:defRPr>
+    </a:lvl9pPr>
+  </p:notesStyle>
+</p:notesMaster>
+</file>
+
 <file path=ppt/slideLayouts/slideLayout1.xml><?xml version="1.0" encoding="utf-8"?>
 <p:sldLayout xmlns:a="http://schemas.openxmlformats.org/drawingml/2006/main" xmlns:r="http://schemas.openxmlformats.org/officeDocument/2006/relationships" xmlns:p="http://schemas.openxmlformats.org/presentationml/2006/main" type="title" preserve="1">
   <p:cSld name="Title Slide">
@@ -5229,7 +5776,7 @@
         <p:spPr>
           <a:xfrm>
             <a:off x="578242" y="1474486"/>
-            <a:ext cx="5561061" cy="5262979"/>
+            <a:ext cx="5561061" cy="2308324"/>
           </a:xfrm>
           <a:prstGeom prst="rect">
             <a:avLst/>
@@ -5355,142 +5902,6 @@
               <a:rPr lang="en-US" sz="1600" dirty="0"/>
               <a:t> /p&gt;</a:t>
             </a:r>
-          </a:p>
-          <a:p>
-            <a:endParaRPr lang="en-US" sz="1600" dirty="0"/>
-          </a:p>
-          <a:p>
-            <a:r>
-              <a:rPr lang="en-US" sz="1600" dirty="0"/>
-              <a:t>&lt;p how:</a:t>
-            </a:r>
-          </a:p>
-          <a:p>
-            <a:r>
-              <a:rPr lang="en-US" sz="1600" dirty="0" err="1"/>
-              <a:t>Pellentesque</a:t>
-            </a:r>
-            <a:r>
-              <a:rPr lang="en-US" sz="1600" dirty="0"/>
-              <a:t> habitant </a:t>
-            </a:r>
-            <a:r>
-              <a:rPr lang="en-US" sz="1600" dirty="0" err="1"/>
-              <a:t>morbi</a:t>
-            </a:r>
-            <a:r>
-              <a:rPr lang="en-US" sz="1600" dirty="0"/>
-              <a:t> </a:t>
-            </a:r>
-            <a:r>
-              <a:rPr lang="en-US" sz="1600" dirty="0" err="1"/>
-              <a:t>tristique</a:t>
-            </a:r>
-            <a:r>
-              <a:rPr lang="en-US" sz="1600" dirty="0"/>
-              <a:t> </a:t>
-            </a:r>
-            <a:r>
-              <a:rPr lang="en-US" sz="1600" dirty="0" err="1"/>
-              <a:t>senectus</a:t>
-            </a:r>
-            <a:r>
-              <a:rPr lang="en-US" sz="1600" dirty="0"/>
-              <a:t> et </a:t>
-            </a:r>
-            <a:r>
-              <a:rPr lang="en-US" sz="1600" dirty="0" err="1"/>
-              <a:t>netus</a:t>
-            </a:r>
-            <a:r>
-              <a:rPr lang="en-US" sz="1600" dirty="0"/>
-              <a:t> et </a:t>
-            </a:r>
-            <a:r>
-              <a:rPr lang="en-US" sz="1600" dirty="0" err="1"/>
-              <a:t>malesuada</a:t>
-            </a:r>
-            <a:r>
-              <a:rPr lang="en-US" sz="1600" dirty="0"/>
-              <a:t> fames ac </a:t>
-            </a:r>
-            <a:r>
-              <a:rPr lang="en-US" sz="1600" dirty="0" err="1"/>
-              <a:t>turpis</a:t>
-            </a:r>
-            <a:r>
-              <a:rPr lang="en-US" sz="1600" dirty="0"/>
-              <a:t> </a:t>
-            </a:r>
-            <a:r>
-              <a:rPr lang="en-US" sz="1600" dirty="0" err="1"/>
-              <a:t>egestas</a:t>
-            </a:r>
-            <a:r>
-              <a:rPr lang="en-US" sz="1600" dirty="0"/>
-              <a:t>. Vestibulum </a:t>
-            </a:r>
-            <a:r>
-              <a:rPr lang="en-US" sz="1600" dirty="0" err="1"/>
-              <a:t>tortor</a:t>
-            </a:r>
-            <a:r>
-              <a:rPr lang="en-US" sz="1600" dirty="0"/>
-              <a:t> </a:t>
-            </a:r>
-            <a:r>
-              <a:rPr lang="en-US" sz="1600" dirty="0" err="1"/>
-              <a:t>quam</a:t>
-            </a:r>
-            <a:r>
-              <a:rPr lang="en-US" sz="1600" dirty="0"/>
-              <a:t>, /p&gt;</a:t>
-            </a:r>
-          </a:p>
-          <a:p>
-            <a:endParaRPr lang="en-US" sz="1600" dirty="0"/>
-          </a:p>
-          <a:p>
-            <a:r>
-              <a:rPr lang="en-US" sz="1600" dirty="0"/>
-              <a:t>&lt;p Which:</a:t>
-            </a:r>
-          </a:p>
-          <a:p>
-            <a:r>
-              <a:rPr lang="en-US" sz="1600" dirty="0" err="1"/>
-              <a:t>Yyyyyyyyyyyyyyyyyyyyyy</a:t>
-            </a:r>
-            <a:r>
-              <a:rPr lang="en-US" sz="1600" dirty="0"/>
-              <a:t>     /p&gt;</a:t>
-            </a:r>
-          </a:p>
-          <a:p>
-            <a:endParaRPr lang="en-US" sz="1600" dirty="0"/>
-          </a:p>
-          <a:p>
-            <a:r>
-              <a:rPr lang="en-US" sz="1600" dirty="0"/>
-              <a:t>&lt;p When: </a:t>
-            </a:r>
-            <a:r>
-              <a:rPr lang="en-US" sz="1600" dirty="0" err="1"/>
-              <a:t>Xxxx</a:t>
-            </a:r>
-            <a:r>
-              <a:rPr lang="en-US" sz="1600" dirty="0"/>
-              <a:t>  /p&gt;</a:t>
-            </a:r>
-          </a:p>
-          <a:p>
-            <a:endParaRPr lang="en-US" sz="1600" dirty="0"/>
-          </a:p>
-          <a:p>
-            <a:endParaRPr lang="en-US" sz="1600" dirty="0"/>
-          </a:p>
-          <a:p>
-            <a:endParaRPr lang="en-US" sz="1600" dirty="0"/>
           </a:p>
         </p:txBody>
       </p:sp>
@@ -5574,7 +5985,7 @@
         </p:nvGrpSpPr>
         <p:grpSpPr>
           <a:xfrm>
-            <a:off x="7537629" y="1802826"/>
+            <a:off x="7642378" y="1614847"/>
             <a:ext cx="3821502" cy="3147800"/>
             <a:chOff x="7537629" y="895263"/>
             <a:chExt cx="3821502" cy="3147800"/>
@@ -5860,6 +6271,266 @@
           </a:p>
         </p:txBody>
       </p:sp>
+      <p:graphicFrame>
+        <p:nvGraphicFramePr>
+          <p:cNvPr id="14" name="Table 13">
+            <a:extLst>
+              <a:ext uri="{FF2B5EF4-FFF2-40B4-BE49-F238E27FC236}">
+                <a16:creationId xmlns:a16="http://schemas.microsoft.com/office/drawing/2014/main" id="{88ACE9A3-BF45-49CB-9766-394D1A343CAA}"/>
+              </a:ext>
+            </a:extLst>
+          </p:cNvPr>
+          <p:cNvGraphicFramePr>
+            <a:graphicFrameLocks noGrp="1"/>
+          </p:cNvGraphicFramePr>
+          <p:nvPr>
+            <p:extLst>
+              <p:ext uri="{D42A27DB-BD31-4B8C-83A1-F6EECF244321}">
+                <p14:modId xmlns:p14="http://schemas.microsoft.com/office/powerpoint/2010/main" val="1123301496"/>
+              </p:ext>
+            </p:extLst>
+          </p:nvPr>
+        </p:nvGraphicFramePr>
+        <p:xfrm>
+          <a:off x="728120" y="4629920"/>
+          <a:ext cx="1944059" cy="1200150"/>
+        </p:xfrm>
+        <a:graphic>
+          <a:graphicData uri="http://schemas.openxmlformats.org/drawingml/2006/table">
+            <a:tbl>
+              <a:tblPr>
+                <a:tableStyleId>{5C22544A-7EE6-4342-B048-85BDC9FD1C3A}</a:tableStyleId>
+              </a:tblPr>
+              <a:tblGrid>
+                <a:gridCol w="1944059">
+                  <a:extLst>
+                    <a:ext uri="{9D8B030D-6E8A-4147-A177-3AD203B41FA5}">
+                      <a16:colId xmlns:a16="http://schemas.microsoft.com/office/drawing/2014/main" val="1510560170"/>
+                    </a:ext>
+                  </a:extLst>
+                </a:gridCol>
+              </a:tblGrid>
+              <a:tr h="200025">
+                <a:tc>
+                  <a:txBody>
+                    <a:bodyPr/>
+                    <a:lstStyle/>
+                    <a:p>
+                      <a:pPr algn="l" fontAlgn="ctr"/>
+                      <a:r>
+                        <a:rPr lang="en-US" sz="1200" b="1" i="0" u="none" strike="noStrike" dirty="0">
+                          <a:solidFill>
+                            <a:srgbClr val="000000"/>
+                          </a:solidFill>
+                          <a:effectLst/>
+                          <a:latin typeface="Roboto" panose="02000000000000000000" pitchFamily="2" charset="0"/>
+                        </a:rPr>
+                        <a:t>Team Members</a:t>
+                      </a:r>
+                    </a:p>
+                  </a:txBody>
+                  <a:tcPr marL="85725" marR="9525" marT="9525" marB="0" anchor="ctr">
+                    <a:noFill/>
+                  </a:tcPr>
+                </a:tc>
+                <a:extLst>
+                  <a:ext uri="{0D108BD9-81ED-4DB2-BD59-A6C34878D82A}">
+                    <a16:rowId xmlns:a16="http://schemas.microsoft.com/office/drawing/2014/main" val="1587111559"/>
+                  </a:ext>
+                </a:extLst>
+              </a:tr>
+              <a:tr h="200025">
+                <a:tc>
+                  <a:txBody>
+                    <a:bodyPr/>
+                    <a:lstStyle/>
+                    <a:p>
+                      <a:pPr algn="l" fontAlgn="ctr"/>
+                      <a:r>
+                        <a:rPr lang="en-US" sz="1200" u="none" strike="noStrike">
+                          <a:effectLst/>
+                        </a:rPr>
+                        <a:t>Daniel Murchison</a:t>
+                      </a:r>
+                      <a:endParaRPr lang="en-US" sz="1200" b="0" i="0" u="none" strike="noStrike">
+                        <a:solidFill>
+                          <a:srgbClr val="000000"/>
+                        </a:solidFill>
+                        <a:effectLst/>
+                        <a:latin typeface="Roboto" panose="02000000000000000000" pitchFamily="2" charset="0"/>
+                      </a:endParaRPr>
+                    </a:p>
+                  </a:txBody>
+                  <a:tcPr marL="9525" marR="9525" marT="9525" marB="0" anchor="ctr">
+                    <a:noFill/>
+                  </a:tcPr>
+                </a:tc>
+                <a:extLst>
+                  <a:ext uri="{0D108BD9-81ED-4DB2-BD59-A6C34878D82A}">
+                    <a16:rowId xmlns:a16="http://schemas.microsoft.com/office/drawing/2014/main" val="132107129"/>
+                  </a:ext>
+                </a:extLst>
+              </a:tr>
+              <a:tr h="200025">
+                <a:tc>
+                  <a:txBody>
+                    <a:bodyPr/>
+                    <a:lstStyle/>
+                    <a:p>
+                      <a:pPr algn="l" fontAlgn="ctr"/>
+                      <a:r>
+                        <a:rPr lang="en-US" sz="1200" u="none" strike="noStrike" dirty="0">
+                          <a:effectLst/>
+                        </a:rPr>
+                        <a:t>Edith Jimenez Mendez </a:t>
+                      </a:r>
+                      <a:endParaRPr lang="en-US" sz="1200" b="0" i="0" u="none" strike="noStrike" dirty="0">
+                        <a:solidFill>
+                          <a:srgbClr val="000000"/>
+                        </a:solidFill>
+                        <a:effectLst/>
+                        <a:latin typeface="Roboto" panose="02000000000000000000" pitchFamily="2" charset="0"/>
+                      </a:endParaRPr>
+                    </a:p>
+                  </a:txBody>
+                  <a:tcPr marL="9525" marR="9525" marT="9525" marB="0" anchor="ctr">
+                    <a:noFill/>
+                  </a:tcPr>
+                </a:tc>
+                <a:extLst>
+                  <a:ext uri="{0D108BD9-81ED-4DB2-BD59-A6C34878D82A}">
+                    <a16:rowId xmlns:a16="http://schemas.microsoft.com/office/drawing/2014/main" val="1070666519"/>
+                  </a:ext>
+                </a:extLst>
+              </a:tr>
+              <a:tr h="200025">
+                <a:tc>
+                  <a:txBody>
+                    <a:bodyPr/>
+                    <a:lstStyle/>
+                    <a:p>
+                      <a:pPr marL="0" marR="0" lvl="0" indent="0" algn="l" defTabSz="914400" rtl="0" eaLnBrk="1" fontAlgn="ctr" latinLnBrk="0" hangingPunct="1">
+                        <a:lnSpc>
+                          <a:spcPct val="100000"/>
+                        </a:lnSpc>
+                        <a:spcBef>
+                          <a:spcPts val="0"/>
+                        </a:spcBef>
+                        <a:spcAft>
+                          <a:spcPts val="0"/>
+                        </a:spcAft>
+                        <a:buClrTx/>
+                        <a:buSzTx/>
+                        <a:buFontTx/>
+                        <a:buNone/>
+                        <a:tabLst/>
+                        <a:defRPr/>
+                      </a:pPr>
+                      <a:r>
+                        <a:rPr lang="en-US" sz="1200" u="none" strike="noStrike" dirty="0" err="1">
+                          <a:effectLst/>
+                        </a:rPr>
+                        <a:t>Jin</a:t>
+                      </a:r>
+                      <a:r>
+                        <a:rPr lang="en-US" sz="1200" u="none" strike="noStrike" dirty="0">
+                          <a:effectLst/>
+                        </a:rPr>
+                        <a:t> Dai</a:t>
+                      </a:r>
+                      <a:endParaRPr lang="en-US" sz="1200" b="0" i="0" u="none" strike="noStrike" dirty="0">
+                        <a:solidFill>
+                          <a:srgbClr val="000000"/>
+                        </a:solidFill>
+                        <a:effectLst/>
+                        <a:latin typeface="Roboto" panose="02000000000000000000" pitchFamily="2" charset="0"/>
+                      </a:endParaRPr>
+                    </a:p>
+                  </a:txBody>
+                  <a:tcPr marL="9525" marR="9525" marT="9525" marB="0" anchor="ctr">
+                    <a:noFill/>
+                  </a:tcPr>
+                </a:tc>
+                <a:extLst>
+                  <a:ext uri="{0D108BD9-81ED-4DB2-BD59-A6C34878D82A}">
+                    <a16:rowId xmlns:a16="http://schemas.microsoft.com/office/drawing/2014/main" val="3480319199"/>
+                  </a:ext>
+                </a:extLst>
+              </a:tr>
+              <a:tr h="200025">
+                <a:tc>
+                  <a:txBody>
+                    <a:bodyPr/>
+                    <a:lstStyle/>
+                    <a:p>
+                      <a:pPr algn="l" fontAlgn="ctr"/>
+                      <a:r>
+                        <a:rPr lang="en-US" sz="1200" u="none" strike="noStrike" dirty="0">
+                          <a:effectLst/>
+                        </a:rPr>
+                        <a:t>Michael Gonzalez</a:t>
+                      </a:r>
+                      <a:endParaRPr lang="en-US" sz="1200" b="0" i="0" u="none" strike="noStrike" dirty="0">
+                        <a:solidFill>
+                          <a:srgbClr val="000000"/>
+                        </a:solidFill>
+                        <a:effectLst/>
+                        <a:latin typeface="Roboto" panose="02000000000000000000" pitchFamily="2" charset="0"/>
+                      </a:endParaRPr>
+                    </a:p>
+                  </a:txBody>
+                  <a:tcPr marL="9525" marR="9525" marT="9525" marB="0" anchor="ctr">
+                    <a:noFill/>
+                  </a:tcPr>
+                </a:tc>
+                <a:extLst>
+                  <a:ext uri="{0D108BD9-81ED-4DB2-BD59-A6C34878D82A}">
+                    <a16:rowId xmlns:a16="http://schemas.microsoft.com/office/drawing/2014/main" val="3762032605"/>
+                  </a:ext>
+                </a:extLst>
+              </a:tr>
+              <a:tr h="200025">
+                <a:tc>
+                  <a:txBody>
+                    <a:bodyPr/>
+                    <a:lstStyle/>
+                    <a:p>
+                      <a:pPr algn="l" fontAlgn="ctr"/>
+                      <a:r>
+                        <a:rPr lang="en-US" sz="1200" u="none" strike="noStrike" dirty="0">
+                          <a:effectLst/>
+                        </a:rPr>
+                        <a:t>Mike </a:t>
+                      </a:r>
+                      <a:r>
+                        <a:rPr lang="en-US" sz="1200" u="none" strike="noStrike" dirty="0" err="1">
+                          <a:effectLst/>
+                        </a:rPr>
+                        <a:t>Sammis</a:t>
+                      </a:r>
+                      <a:endParaRPr lang="en-US" sz="1200" b="0" i="0" u="none" strike="noStrike" dirty="0">
+                        <a:solidFill>
+                          <a:srgbClr val="000000"/>
+                        </a:solidFill>
+                        <a:effectLst/>
+                        <a:latin typeface="Roboto" panose="02000000000000000000" pitchFamily="2" charset="0"/>
+                      </a:endParaRPr>
+                    </a:p>
+                  </a:txBody>
+                  <a:tcPr marL="9525" marR="9525" marT="9525" marB="0" anchor="ctr">
+                    <a:noFill/>
+                  </a:tcPr>
+                </a:tc>
+                <a:extLst>
+                  <a:ext uri="{0D108BD9-81ED-4DB2-BD59-A6C34878D82A}">
+                    <a16:rowId xmlns:a16="http://schemas.microsoft.com/office/drawing/2014/main" val="2012671247"/>
+                  </a:ext>
+                </a:extLst>
+              </a:tr>
+            </a:tbl>
+          </a:graphicData>
+        </a:graphic>
+      </p:graphicFrame>
     </p:spTree>
     <p:extLst>
       <p:ext uri="{BB962C8B-B14F-4D97-AF65-F5344CB8AC3E}">
@@ -6906,14 +7577,26 @@
           </a:lstStyle>
           <a:p>
             <a:r>
-              <a:rPr lang="en-US" sz="1400" dirty="0"/>
+              <a:rPr lang="en-US" sz="1400" dirty="0">
+                <a:highlight>
+                  <a:srgbClr val="FFFF00"/>
+                </a:highlight>
+              </a:rPr>
               <a:t>Country map with markers show the accident city </a:t>
             </a:r>
             <a:r>
-              <a:rPr lang="en-US" sz="1400" dirty="0" err="1"/>
+              <a:rPr lang="en-US" sz="1400" dirty="0" err="1">
+                <a:highlight>
+                  <a:srgbClr val="FFFF00"/>
+                </a:highlight>
+              </a:rPr>
               <a:t>lat&amp;long</a:t>
             </a:r>
-            <a:endParaRPr lang="en-US" sz="500" dirty="0"/>
+            <a:endParaRPr lang="en-US" sz="500" dirty="0">
+              <a:highlight>
+                <a:srgbClr val="FFFF00"/>
+              </a:highlight>
+            </a:endParaRPr>
           </a:p>
         </p:txBody>
       </p:sp>
@@ -6931,7 +7614,7 @@
         </p:nvSpPr>
         <p:spPr>
           <a:xfrm>
-            <a:off x="6276213" y="1827590"/>
+            <a:off x="6214400" y="1827590"/>
             <a:ext cx="5182135" cy="307777"/>
           </a:xfrm>
           <a:prstGeom prst="rect">
@@ -7040,10 +7723,18 @@
           </a:lstStyle>
           <a:p>
             <a:r>
-              <a:rPr lang="en-US" sz="1400" dirty="0"/>
+              <a:rPr lang="en-US" sz="1400" dirty="0">
+                <a:highlight>
+                  <a:srgbClr val="FFFF00"/>
+                </a:highlight>
+              </a:rPr>
               <a:t>Different types of injuries each year by country</a:t>
             </a:r>
-            <a:endParaRPr lang="en-US" sz="500" dirty="0"/>
+            <a:endParaRPr lang="en-US" sz="500" dirty="0">
+              <a:highlight>
+                <a:srgbClr val="FFFF00"/>
+              </a:highlight>
+            </a:endParaRPr>
           </a:p>
         </p:txBody>
       </p:sp>
@@ -7965,13 +8656,8 @@
           <a:p>
             <a:r>
               <a:rPr lang="en-US" sz="1100" dirty="0"/>
-              <a:t>Bar chart of different type of injuries by year by month globally ( New JS library, chart.js) Need to be </a:t>
-            </a:r>
-            <a:r>
-              <a:rPr lang="en-US" sz="1100" dirty="0" err="1"/>
-              <a:t>disscusses</a:t>
-            </a:r>
-            <a:endParaRPr lang="en-US" sz="1100" dirty="0"/>
+              <a:t>Bar chart of different type of injuries by year by month globally ( New JS library, chart.js) Need to be discusses</a:t>
+            </a:r>
           </a:p>
         </p:txBody>
       </p:sp>
@@ -8980,7 +9666,11 @@
           <a:lstStyle/>
           <a:p>
             <a:r>
-              <a:rPr lang="en-US" sz="1200" dirty="0"/>
+              <a:rPr lang="en-US" sz="1200" dirty="0">
+                <a:highlight>
+                  <a:srgbClr val="FFFF00"/>
+                </a:highlight>
+              </a:rPr>
               <a:t>Aviation accident by make an model bar charts</a:t>
             </a:r>
           </a:p>
@@ -9015,7 +9705,11 @@
           <a:lstStyle/>
           <a:p>
             <a:r>
-              <a:rPr lang="en-US" sz="1200" dirty="0"/>
+              <a:rPr lang="en-US" sz="1200" dirty="0">
+                <a:highlight>
+                  <a:srgbClr val="FFFF00"/>
+                </a:highlight>
+              </a:rPr>
               <a:t>Waterfall chart for Broad phase flight versus total injuries</a:t>
             </a:r>
           </a:p>
@@ -10347,6 +11041,693 @@
     <p:extLst>
       <p:ext uri="{BB962C8B-B14F-4D97-AF65-F5344CB8AC3E}">
         <p14:creationId xmlns:p14="http://schemas.microsoft.com/office/powerpoint/2010/main" val="3980987565"/>
+      </p:ext>
+    </p:extLst>
+  </p:cSld>
+  <p:clrMapOvr>
+    <a:masterClrMapping/>
+  </p:clrMapOvr>
+</p:sld>
+</file>
+
+<file path=ppt/slides/slide9.xml><?xml version="1.0" encoding="utf-8"?>
+<p:sld xmlns:a="http://schemas.openxmlformats.org/drawingml/2006/main" xmlns:r="http://schemas.openxmlformats.org/officeDocument/2006/relationships" xmlns:p="http://schemas.openxmlformats.org/presentationml/2006/main">
+  <p:cSld>
+    <p:spTree>
+      <p:nvGrpSpPr>
+        <p:cNvPr id="1" name=""/>
+        <p:cNvGrpSpPr/>
+        <p:nvPr/>
+      </p:nvGrpSpPr>
+      <p:grpSpPr>
+        <a:xfrm>
+          <a:off x="0" y="0"/>
+          <a:ext cx="0" cy="0"/>
+          <a:chOff x="0" y="0"/>
+          <a:chExt cx="0" cy="0"/>
+        </a:xfrm>
+      </p:grpSpPr>
+      <p:sp>
+        <p:nvSpPr>
+          <p:cNvPr id="4" name="TextBox 3">
+            <a:extLst>
+              <a:ext uri="{FF2B5EF4-FFF2-40B4-BE49-F238E27FC236}">
+                <a16:creationId xmlns:a16="http://schemas.microsoft.com/office/drawing/2014/main" id="{C56319CC-05F7-4DF9-977D-39A69BBEE454}"/>
+              </a:ext>
+            </a:extLst>
+          </p:cNvPr>
+          <p:cNvSpPr txBox="1"/>
+          <p:nvPr/>
+        </p:nvSpPr>
+        <p:spPr>
+          <a:xfrm>
+            <a:off x="0" y="6583680"/>
+            <a:ext cx="12192000" cy="274320"/>
+          </a:xfrm>
+          <a:prstGeom prst="rect">
+            <a:avLst/>
+          </a:prstGeom>
+          <a:solidFill>
+            <a:schemeClr val="bg1">
+              <a:lumMod val="50000"/>
+            </a:schemeClr>
+          </a:solidFill>
+        </p:spPr>
+        <p:txBody>
+          <a:bodyPr wrap="square" rtlCol="0">
+            <a:spAutoFit/>
+          </a:bodyPr>
+          <a:lstStyle/>
+          <a:p>
+            <a:endParaRPr lang="en-US" dirty="0"/>
+          </a:p>
+        </p:txBody>
+      </p:sp>
+      <p:sp>
+        <p:nvSpPr>
+          <p:cNvPr id="6" name="TextBox 5">
+            <a:extLst>
+              <a:ext uri="{FF2B5EF4-FFF2-40B4-BE49-F238E27FC236}">
+                <a16:creationId xmlns:a16="http://schemas.microsoft.com/office/drawing/2014/main" id="{98CC7A43-47B2-4E1B-9EE1-4E9281FA0770}"/>
+              </a:ext>
+            </a:extLst>
+          </p:cNvPr>
+          <p:cNvSpPr txBox="1"/>
+          <p:nvPr/>
+        </p:nvSpPr>
+        <p:spPr>
+          <a:xfrm>
+            <a:off x="98208" y="6581001"/>
+            <a:ext cx="3753831" cy="276999"/>
+          </a:xfrm>
+          <a:prstGeom prst="rect">
+            <a:avLst/>
+          </a:prstGeom>
+          <a:noFill/>
+        </p:spPr>
+        <p:txBody>
+          <a:bodyPr wrap="square" rtlCol="0">
+            <a:spAutoFit/>
+          </a:bodyPr>
+          <a:lstStyle/>
+          <a:p>
+            <a:r>
+              <a:rPr lang="en-US" sz="1200" b="1" dirty="0">
+                <a:solidFill>
+                  <a:srgbClr val="FFD85B"/>
+                </a:solidFill>
+              </a:rPr>
+              <a:t>Aviation Events</a:t>
+            </a:r>
+          </a:p>
+        </p:txBody>
+      </p:sp>
+      <p:sp>
+        <p:nvSpPr>
+          <p:cNvPr id="7" name="TextBox 6">
+            <a:extLst>
+              <a:ext uri="{FF2B5EF4-FFF2-40B4-BE49-F238E27FC236}">
+                <a16:creationId xmlns:a16="http://schemas.microsoft.com/office/drawing/2014/main" id="{C44C60AE-B2F2-40DB-A681-E4BB06E6227B}"/>
+              </a:ext>
+            </a:extLst>
+          </p:cNvPr>
+          <p:cNvSpPr txBox="1"/>
+          <p:nvPr/>
+        </p:nvSpPr>
+        <p:spPr>
+          <a:xfrm>
+            <a:off x="0" y="-30526"/>
+            <a:ext cx="12192000" cy="648070"/>
+          </a:xfrm>
+          <a:prstGeom prst="rect">
+            <a:avLst/>
+          </a:prstGeom>
+          <a:solidFill>
+            <a:schemeClr val="bg1">
+              <a:lumMod val="50000"/>
+            </a:schemeClr>
+          </a:solidFill>
+        </p:spPr>
+        <p:txBody>
+          <a:bodyPr wrap="square" rtlCol="0">
+            <a:spAutoFit/>
+          </a:bodyPr>
+          <a:lstStyle/>
+          <a:p>
+            <a:endParaRPr lang="en-US" dirty="0"/>
+          </a:p>
+        </p:txBody>
+      </p:sp>
+      <p:pic>
+        <p:nvPicPr>
+          <p:cNvPr id="8" name="Picture 7">
+            <a:extLst>
+              <a:ext uri="{FF2B5EF4-FFF2-40B4-BE49-F238E27FC236}">
+                <a16:creationId xmlns:a16="http://schemas.microsoft.com/office/drawing/2014/main" id="{BCD51114-91C0-4AB3-863A-D2EA6F561216}"/>
+              </a:ext>
+            </a:extLst>
+          </p:cNvPr>
+          <p:cNvPicPr/>
+          <p:nvPr/>
+        </p:nvPicPr>
+        <p:blipFill>
+          <a:blip r:embed="rId2"/>
+          <a:stretch>
+            <a:fillRect/>
+          </a:stretch>
+        </p:blipFill>
+        <p:spPr>
+          <a:xfrm>
+            <a:off x="374904" y="1143000"/>
+            <a:ext cx="2809685" cy="4169664"/>
+          </a:xfrm>
+          <a:prstGeom prst="rect">
+            <a:avLst/>
+          </a:prstGeom>
+        </p:spPr>
+      </p:pic>
+      <p:pic>
+        <p:nvPicPr>
+          <p:cNvPr id="3" name="Picture 2">
+            <a:extLst>
+              <a:ext uri="{FF2B5EF4-FFF2-40B4-BE49-F238E27FC236}">
+                <a16:creationId xmlns:a16="http://schemas.microsoft.com/office/drawing/2014/main" id="{5BFD238D-D008-4A5A-A823-68360C66D869}"/>
+              </a:ext>
+            </a:extLst>
+          </p:cNvPr>
+          <p:cNvPicPr>
+            <a:picLocks noChangeAspect="1"/>
+          </p:cNvPicPr>
+          <p:nvPr/>
+        </p:nvPicPr>
+        <p:blipFill>
+          <a:blip r:embed="rId3"/>
+          <a:stretch>
+            <a:fillRect/>
+          </a:stretch>
+        </p:blipFill>
+        <p:spPr>
+          <a:xfrm>
+            <a:off x="4573143" y="2838909"/>
+            <a:ext cx="1990725" cy="590550"/>
+          </a:xfrm>
+          <a:prstGeom prst="rect">
+            <a:avLst/>
+          </a:prstGeom>
+          <a:ln>
+            <a:solidFill>
+              <a:schemeClr val="tx1"/>
+            </a:solidFill>
+          </a:ln>
+        </p:spPr>
+      </p:pic>
+      <p:cxnSp>
+        <p:nvCxnSpPr>
+          <p:cNvPr id="9" name="Straight Arrow Connector 8">
+            <a:extLst>
+              <a:ext uri="{FF2B5EF4-FFF2-40B4-BE49-F238E27FC236}">
+                <a16:creationId xmlns:a16="http://schemas.microsoft.com/office/drawing/2014/main" id="{965FC7CC-4823-436C-A707-C320CB2E0BE4}"/>
+              </a:ext>
+            </a:extLst>
+          </p:cNvPr>
+          <p:cNvCxnSpPr>
+            <a:cxnSpLocks/>
+            <a:endCxn id="3" idx="1"/>
+          </p:cNvCxnSpPr>
+          <p:nvPr/>
+        </p:nvCxnSpPr>
+        <p:spPr>
+          <a:xfrm>
+            <a:off x="1545336" y="2700280"/>
+            <a:ext cx="3027807" cy="433904"/>
+          </a:xfrm>
+          <a:prstGeom prst="straightConnector1">
+            <a:avLst/>
+          </a:prstGeom>
+          <a:ln>
+            <a:tailEnd type="triangle"/>
+          </a:ln>
+        </p:spPr>
+        <p:style>
+          <a:lnRef idx="1">
+            <a:schemeClr val="accent1"/>
+          </a:lnRef>
+          <a:fillRef idx="0">
+            <a:schemeClr val="accent1"/>
+          </a:fillRef>
+          <a:effectRef idx="0">
+            <a:schemeClr val="accent1"/>
+          </a:effectRef>
+          <a:fontRef idx="minor">
+            <a:schemeClr val="tx1"/>
+          </a:fontRef>
+        </p:style>
+      </p:cxnSp>
+      <p:pic>
+        <p:nvPicPr>
+          <p:cNvPr id="10" name="Picture 9">
+            <a:extLst>
+              <a:ext uri="{FF2B5EF4-FFF2-40B4-BE49-F238E27FC236}">
+                <a16:creationId xmlns:a16="http://schemas.microsoft.com/office/drawing/2014/main" id="{10A9DF61-BA2E-40F6-BE49-8050648DB689}"/>
+              </a:ext>
+            </a:extLst>
+          </p:cNvPr>
+          <p:cNvPicPr>
+            <a:picLocks noChangeAspect="1"/>
+          </p:cNvPicPr>
+          <p:nvPr/>
+        </p:nvPicPr>
+        <p:blipFill>
+          <a:blip r:embed="rId4"/>
+          <a:stretch>
+            <a:fillRect/>
+          </a:stretch>
+        </p:blipFill>
+        <p:spPr>
+          <a:xfrm>
+            <a:off x="4573143" y="3503065"/>
+            <a:ext cx="1979676" cy="552450"/>
+          </a:xfrm>
+          <a:prstGeom prst="rect">
+            <a:avLst/>
+          </a:prstGeom>
+          <a:ln>
+            <a:solidFill>
+              <a:schemeClr val="tx1"/>
+            </a:solidFill>
+          </a:ln>
+        </p:spPr>
+      </p:pic>
+      <p:cxnSp>
+        <p:nvCxnSpPr>
+          <p:cNvPr id="11" name="Straight Arrow Connector 10">
+            <a:extLst>
+              <a:ext uri="{FF2B5EF4-FFF2-40B4-BE49-F238E27FC236}">
+                <a16:creationId xmlns:a16="http://schemas.microsoft.com/office/drawing/2014/main" id="{ADC38ED3-0E18-4C1E-AD3E-3EAE64A19E13}"/>
+              </a:ext>
+            </a:extLst>
+          </p:cNvPr>
+          <p:cNvCxnSpPr>
+            <a:cxnSpLocks/>
+            <a:endCxn id="10" idx="1"/>
+          </p:cNvCxnSpPr>
+          <p:nvPr/>
+        </p:nvCxnSpPr>
+        <p:spPr>
+          <a:xfrm>
+            <a:off x="1545336" y="3272076"/>
+            <a:ext cx="3027807" cy="507214"/>
+          </a:xfrm>
+          <a:prstGeom prst="straightConnector1">
+            <a:avLst/>
+          </a:prstGeom>
+          <a:ln>
+            <a:tailEnd type="triangle"/>
+          </a:ln>
+        </p:spPr>
+        <p:style>
+          <a:lnRef idx="1">
+            <a:schemeClr val="accent1"/>
+          </a:lnRef>
+          <a:fillRef idx="0">
+            <a:schemeClr val="accent1"/>
+          </a:fillRef>
+          <a:effectRef idx="0">
+            <a:schemeClr val="accent1"/>
+          </a:effectRef>
+          <a:fontRef idx="minor">
+            <a:schemeClr val="tx1"/>
+          </a:fontRef>
+        </p:style>
+      </p:cxnSp>
+      <p:pic>
+        <p:nvPicPr>
+          <p:cNvPr id="13" name="Picture 12">
+            <a:extLst>
+              <a:ext uri="{FF2B5EF4-FFF2-40B4-BE49-F238E27FC236}">
+                <a16:creationId xmlns:a16="http://schemas.microsoft.com/office/drawing/2014/main" id="{A346C897-269D-4B41-A573-B65E364327AD}"/>
+              </a:ext>
+            </a:extLst>
+          </p:cNvPr>
+          <p:cNvPicPr>
+            <a:picLocks noChangeAspect="1"/>
+          </p:cNvPicPr>
+          <p:nvPr/>
+        </p:nvPicPr>
+        <p:blipFill>
+          <a:blip r:embed="rId5"/>
+          <a:stretch>
+            <a:fillRect/>
+          </a:stretch>
+        </p:blipFill>
+        <p:spPr>
+          <a:xfrm>
+            <a:off x="4581144" y="4114223"/>
+            <a:ext cx="1971675" cy="1628775"/>
+          </a:xfrm>
+          <a:prstGeom prst="rect">
+            <a:avLst/>
+          </a:prstGeom>
+          <a:ln>
+            <a:solidFill>
+              <a:schemeClr val="tx1"/>
+            </a:solidFill>
+          </a:ln>
+        </p:spPr>
+      </p:pic>
+      <p:cxnSp>
+        <p:nvCxnSpPr>
+          <p:cNvPr id="14" name="Straight Arrow Connector 13">
+            <a:extLst>
+              <a:ext uri="{FF2B5EF4-FFF2-40B4-BE49-F238E27FC236}">
+                <a16:creationId xmlns:a16="http://schemas.microsoft.com/office/drawing/2014/main" id="{F525E905-8FB4-4A83-81BC-43409332E034}"/>
+              </a:ext>
+            </a:extLst>
+          </p:cNvPr>
+          <p:cNvCxnSpPr>
+            <a:cxnSpLocks/>
+            <a:endCxn id="13" idx="1"/>
+          </p:cNvCxnSpPr>
+          <p:nvPr/>
+        </p:nvCxnSpPr>
+        <p:spPr>
+          <a:xfrm>
+            <a:off x="1435608" y="4355349"/>
+            <a:ext cx="3145536" cy="573262"/>
+          </a:xfrm>
+          <a:prstGeom prst="straightConnector1">
+            <a:avLst/>
+          </a:prstGeom>
+          <a:ln>
+            <a:tailEnd type="triangle"/>
+          </a:ln>
+        </p:spPr>
+        <p:style>
+          <a:lnRef idx="1">
+            <a:schemeClr val="accent1"/>
+          </a:lnRef>
+          <a:fillRef idx="0">
+            <a:schemeClr val="accent1"/>
+          </a:fillRef>
+          <a:effectRef idx="0">
+            <a:schemeClr val="accent1"/>
+          </a:effectRef>
+          <a:fontRef idx="minor">
+            <a:schemeClr val="tx1"/>
+          </a:fontRef>
+        </p:style>
+      </p:cxnSp>
+      <p:sp>
+        <p:nvSpPr>
+          <p:cNvPr id="2" name="Title 1">
+            <a:extLst>
+              <a:ext uri="{FF2B5EF4-FFF2-40B4-BE49-F238E27FC236}">
+                <a16:creationId xmlns:a16="http://schemas.microsoft.com/office/drawing/2014/main" id="{EF2573A8-DC81-489D-8D63-DDFAA2B7A5D7}"/>
+              </a:ext>
+            </a:extLst>
+          </p:cNvPr>
+          <p:cNvSpPr>
+            <a:spLocks noGrp="1"/>
+          </p:cNvSpPr>
+          <p:nvPr>
+            <p:ph type="title"/>
+          </p:nvPr>
+        </p:nvSpPr>
+        <p:spPr>
+          <a:xfrm>
+            <a:off x="647456" y="-343077"/>
+            <a:ext cx="10515600" cy="1325563"/>
+          </a:xfrm>
+        </p:spPr>
+        <p:txBody>
+          <a:bodyPr>
+            <a:normAutofit/>
+          </a:bodyPr>
+          <a:lstStyle/>
+          <a:p>
+            <a:pPr algn="ctr"/>
+            <a:r>
+              <a:rPr lang="en-US" sz="3600" b="1" dirty="0" err="1">
+                <a:highlight>
+                  <a:srgbClr val="FFFF00"/>
+                </a:highlight>
+              </a:rPr>
+              <a:t>File_Structure</a:t>
+            </a:r>
+            <a:endParaRPr lang="en-US" sz="3600" b="1" dirty="0">
+              <a:highlight>
+                <a:srgbClr val="FFFF00"/>
+              </a:highlight>
+            </a:endParaRPr>
+          </a:p>
+        </p:txBody>
+      </p:sp>
+      <p:pic>
+        <p:nvPicPr>
+          <p:cNvPr id="27" name="Picture 26">
+            <a:extLst>
+              <a:ext uri="{FF2B5EF4-FFF2-40B4-BE49-F238E27FC236}">
+                <a16:creationId xmlns:a16="http://schemas.microsoft.com/office/drawing/2014/main" id="{7AED3595-19CD-45C2-B852-C2700F944CDF}"/>
+              </a:ext>
+            </a:extLst>
+          </p:cNvPr>
+          <p:cNvPicPr>
+            <a:picLocks noChangeAspect="1"/>
+          </p:cNvPicPr>
+          <p:nvPr/>
+        </p:nvPicPr>
+        <p:blipFill>
+          <a:blip r:embed="rId6"/>
+          <a:stretch>
+            <a:fillRect/>
+          </a:stretch>
+        </p:blipFill>
+        <p:spPr>
+          <a:xfrm>
+            <a:off x="4581144" y="1558545"/>
+            <a:ext cx="2276475" cy="1057275"/>
+          </a:xfrm>
+          <a:prstGeom prst="rect">
+            <a:avLst/>
+          </a:prstGeom>
+          <a:ln>
+            <a:solidFill>
+              <a:schemeClr val="tx1"/>
+            </a:solidFill>
+          </a:ln>
+        </p:spPr>
+      </p:pic>
+      <p:cxnSp>
+        <p:nvCxnSpPr>
+          <p:cNvPr id="28" name="Straight Arrow Connector 27">
+            <a:extLst>
+              <a:ext uri="{FF2B5EF4-FFF2-40B4-BE49-F238E27FC236}">
+                <a16:creationId xmlns:a16="http://schemas.microsoft.com/office/drawing/2014/main" id="{BAB56925-F2D7-40A1-97BB-2DA2992B721F}"/>
+              </a:ext>
+            </a:extLst>
+          </p:cNvPr>
+          <p:cNvCxnSpPr>
+            <a:cxnSpLocks/>
+          </p:cNvCxnSpPr>
+          <p:nvPr/>
+        </p:nvCxnSpPr>
+        <p:spPr>
+          <a:xfrm>
+            <a:off x="1975123" y="1474354"/>
+            <a:ext cx="2598020" cy="385244"/>
+          </a:xfrm>
+          <a:prstGeom prst="straightConnector1">
+            <a:avLst/>
+          </a:prstGeom>
+          <a:ln w="76200">
+            <a:tailEnd type="triangle"/>
+          </a:ln>
+        </p:spPr>
+        <p:style>
+          <a:lnRef idx="1">
+            <a:schemeClr val="accent1"/>
+          </a:lnRef>
+          <a:fillRef idx="0">
+            <a:schemeClr val="accent1"/>
+          </a:fillRef>
+          <a:effectRef idx="0">
+            <a:schemeClr val="accent1"/>
+          </a:effectRef>
+          <a:fontRef idx="minor">
+            <a:schemeClr val="tx1"/>
+          </a:fontRef>
+        </p:style>
+      </p:cxnSp>
+      <p:cxnSp>
+        <p:nvCxnSpPr>
+          <p:cNvPr id="31" name="Straight Arrow Connector 30">
+            <a:extLst>
+              <a:ext uri="{FF2B5EF4-FFF2-40B4-BE49-F238E27FC236}">
+                <a16:creationId xmlns:a16="http://schemas.microsoft.com/office/drawing/2014/main" id="{CE91B7B4-B5AA-44E9-9AC4-2E78CA7D90BA}"/>
+              </a:ext>
+            </a:extLst>
+          </p:cNvPr>
+          <p:cNvCxnSpPr/>
+          <p:nvPr/>
+        </p:nvCxnSpPr>
+        <p:spPr>
+          <a:xfrm>
+            <a:off x="5349240" y="2167128"/>
+            <a:ext cx="2569464" cy="0"/>
+          </a:xfrm>
+          <a:prstGeom prst="straightConnector1">
+            <a:avLst/>
+          </a:prstGeom>
+          <a:ln>
+            <a:tailEnd type="triangle"/>
+          </a:ln>
+        </p:spPr>
+        <p:style>
+          <a:lnRef idx="1">
+            <a:schemeClr val="accent1"/>
+          </a:lnRef>
+          <a:fillRef idx="0">
+            <a:schemeClr val="accent1"/>
+          </a:fillRef>
+          <a:effectRef idx="0">
+            <a:schemeClr val="accent1"/>
+          </a:effectRef>
+          <a:fontRef idx="minor">
+            <a:schemeClr val="tx1"/>
+          </a:fontRef>
+        </p:style>
+      </p:cxnSp>
+      <p:sp>
+        <p:nvSpPr>
+          <p:cNvPr id="32" name="TextBox 31">
+            <a:extLst>
+              <a:ext uri="{FF2B5EF4-FFF2-40B4-BE49-F238E27FC236}">
+                <a16:creationId xmlns:a16="http://schemas.microsoft.com/office/drawing/2014/main" id="{A649131A-8F15-46F7-AE6E-876CE88E6C49}"/>
+              </a:ext>
+            </a:extLst>
+          </p:cNvPr>
+          <p:cNvSpPr txBox="1"/>
+          <p:nvPr/>
+        </p:nvSpPr>
+        <p:spPr>
+          <a:xfrm>
+            <a:off x="7918704" y="1982462"/>
+            <a:ext cx="1335024" cy="307777"/>
+          </a:xfrm>
+          <a:prstGeom prst="rect">
+            <a:avLst/>
+          </a:prstGeom>
+          <a:noFill/>
+          <a:ln>
+            <a:solidFill>
+              <a:schemeClr val="tx1"/>
+            </a:solidFill>
+          </a:ln>
+        </p:spPr>
+        <p:txBody>
+          <a:bodyPr wrap="square" rtlCol="0">
+            <a:spAutoFit/>
+          </a:bodyPr>
+          <a:lstStyle/>
+          <a:p>
+            <a:r>
+              <a:rPr lang="en-US" sz="1400" dirty="0"/>
+              <a:t>Flask</a:t>
+            </a:r>
+          </a:p>
+        </p:txBody>
+      </p:sp>
+      <p:sp>
+        <p:nvSpPr>
+          <p:cNvPr id="33" name="TextBox 32">
+            <a:extLst>
+              <a:ext uri="{FF2B5EF4-FFF2-40B4-BE49-F238E27FC236}">
+                <a16:creationId xmlns:a16="http://schemas.microsoft.com/office/drawing/2014/main" id="{6625EC4E-86ED-404C-99DD-F0E64F8CE641}"/>
+              </a:ext>
+            </a:extLst>
+          </p:cNvPr>
+          <p:cNvSpPr txBox="1"/>
+          <p:nvPr/>
+        </p:nvSpPr>
+        <p:spPr>
+          <a:xfrm>
+            <a:off x="7955280" y="2456487"/>
+            <a:ext cx="1335024" cy="307777"/>
+          </a:xfrm>
+          <a:prstGeom prst="rect">
+            <a:avLst/>
+          </a:prstGeom>
+          <a:noFill/>
+          <a:ln>
+            <a:solidFill>
+              <a:schemeClr val="tx1"/>
+            </a:solidFill>
+          </a:ln>
+        </p:spPr>
+        <p:txBody>
+          <a:bodyPr wrap="square" rtlCol="0">
+            <a:spAutoFit/>
+          </a:bodyPr>
+          <a:lstStyle/>
+          <a:p>
+            <a:r>
+              <a:rPr lang="en-US" sz="1400" dirty="0"/>
+              <a:t>ETL </a:t>
+            </a:r>
+            <a:r>
+              <a:rPr lang="en-US" sz="1400" dirty="0" err="1"/>
+              <a:t>Jupyter</a:t>
+            </a:r>
+            <a:endParaRPr lang="en-US" sz="1400" dirty="0"/>
+          </a:p>
+        </p:txBody>
+      </p:sp>
+      <p:cxnSp>
+        <p:nvCxnSpPr>
+          <p:cNvPr id="36" name="Straight Arrow Connector 35">
+            <a:extLst>
+              <a:ext uri="{FF2B5EF4-FFF2-40B4-BE49-F238E27FC236}">
+                <a16:creationId xmlns:a16="http://schemas.microsoft.com/office/drawing/2014/main" id="{2E7A5B7F-6E1A-4611-8167-6F4C0FFA65B1}"/>
+              </a:ext>
+            </a:extLst>
+          </p:cNvPr>
+          <p:cNvCxnSpPr>
+            <a:cxnSpLocks/>
+            <a:endCxn id="33" idx="1"/>
+          </p:cNvCxnSpPr>
+          <p:nvPr/>
+        </p:nvCxnSpPr>
+        <p:spPr>
+          <a:xfrm>
+            <a:off x="6633972" y="2367183"/>
+            <a:ext cx="1321308" cy="243193"/>
+          </a:xfrm>
+          <a:prstGeom prst="straightConnector1">
+            <a:avLst/>
+          </a:prstGeom>
+          <a:ln>
+            <a:tailEnd type="triangle"/>
+          </a:ln>
+        </p:spPr>
+        <p:style>
+          <a:lnRef idx="1">
+            <a:schemeClr val="accent1"/>
+          </a:lnRef>
+          <a:fillRef idx="0">
+            <a:schemeClr val="accent1"/>
+          </a:fillRef>
+          <a:effectRef idx="0">
+            <a:schemeClr val="accent1"/>
+          </a:effectRef>
+          <a:fontRef idx="minor">
+            <a:schemeClr val="tx1"/>
+          </a:fontRef>
+        </p:style>
+      </p:cxnSp>
+    </p:spTree>
+    <p:extLst>
+      <p:ext uri="{BB962C8B-B14F-4D97-AF65-F5344CB8AC3E}">
+        <p14:creationId xmlns:p14="http://schemas.microsoft.com/office/powerpoint/2010/main" val="2510155578"/>
       </p:ext>
     </p:extLst>
   </p:cSld>
@@ -10649,4 +12030,594 @@
     </a:ext>
   </a:extLst>
 </a:theme>
+</file>
+
+<file path=ppt/theme/theme2.xml><?xml version="1.0" encoding="utf-8"?>
+<a:theme xmlns:a="http://schemas.openxmlformats.org/drawingml/2006/main" name="Office Theme">
+  <a:themeElements>
+    <a:clrScheme name="Office">
+      <a:dk1>
+        <a:sysClr val="windowText" lastClr="000000"/>
+      </a:dk1>
+      <a:lt1>
+        <a:sysClr val="window" lastClr="FFFFFF"/>
+      </a:lt1>
+      <a:dk2>
+        <a:srgbClr val="44546A"/>
+      </a:dk2>
+      <a:lt2>
+        <a:srgbClr val="E7E6E6"/>
+      </a:lt2>
+      <a:accent1>
+        <a:srgbClr val="4472C4"/>
+      </a:accent1>
+      <a:accent2>
+        <a:srgbClr val="ED7D31"/>
+      </a:accent2>
+      <a:accent3>
+        <a:srgbClr val="A5A5A5"/>
+      </a:accent3>
+      <a:accent4>
+        <a:srgbClr val="FFC000"/>
+      </a:accent4>
+      <a:accent5>
+        <a:srgbClr val="5B9BD5"/>
+      </a:accent5>
+      <a:accent6>
+        <a:srgbClr val="70AD47"/>
+      </a:accent6>
+      <a:hlink>
+        <a:srgbClr val="0563C1"/>
+      </a:hlink>
+      <a:folHlink>
+        <a:srgbClr val="954F72"/>
+      </a:folHlink>
+    </a:clrScheme>
+    <a:fontScheme name="Office">
+      <a:majorFont>
+        <a:latin typeface="Calibri Light" panose="020F0302020204030204"/>
+        <a:ea typeface=""/>
+        <a:cs typeface=""/>
+        <a:font script="Jpan" typeface="游ゴシック Light"/>
+        <a:font script="Hang" typeface="맑은 고딕"/>
+        <a:font script="Hans" typeface="等线 Light"/>
+        <a:font script="Hant" typeface="新細明體"/>
+        <a:font script="Arab" typeface="Times New Roman"/>
+        <a:font script="Hebr" typeface="Times New Roman"/>
+        <a:font script="Thai" typeface="Angsana New"/>
+        <a:font script="Ethi" typeface="Nyala"/>
+        <a:font script="Beng" typeface="Vrinda"/>
+        <a:font script="Gujr" typeface="Shruti"/>
+        <a:font script="Khmr" typeface="MoolBoran"/>
+        <a:font script="Knda" typeface="Tunga"/>
+        <a:font script="Guru" typeface="Raavi"/>
+        <a:font script="Cans" typeface="Euphemia"/>
+        <a:font script="Cher" typeface="Plantagenet Cherokee"/>
+        <a:font script="Yiii" typeface="Microsoft Yi Baiti"/>
+        <a:font script="Tibt" typeface="Microsoft Himalaya"/>
+        <a:font script="Thaa" typeface="MV Boli"/>
+        <a:font script="Deva" typeface="Mangal"/>
+        <a:font script="Telu" typeface="Gautami"/>
+        <a:font script="Taml" typeface="Latha"/>
+        <a:font script="Syrc" typeface="Estrangelo Edessa"/>
+        <a:font script="Orya" typeface="Kalinga"/>
+        <a:font script="Mlym" typeface="Kartika"/>
+        <a:font script="Laoo" typeface="DokChampa"/>
+        <a:font script="Sinh" typeface="Iskoola Pota"/>
+        <a:font script="Mong" typeface="Mongolian Baiti"/>
+        <a:font script="Viet" typeface="Times New Roman"/>
+        <a:font script="Uigh" typeface="Microsoft Uighur"/>
+        <a:font script="Geor" typeface="Sylfaen"/>
+        <a:font script="Armn" typeface="Arial"/>
+        <a:font script="Bugi" typeface="Leelawadee UI"/>
+        <a:font script="Bopo" typeface="Microsoft JhengHei"/>
+        <a:font script="Java" typeface="Javanese Text"/>
+        <a:font script="Lisu" typeface="Segoe UI"/>
+        <a:font script="Mymr" typeface="Myanmar Text"/>
+        <a:font script="Nkoo" typeface="Ebrima"/>
+        <a:font script="Olck" typeface="Nirmala UI"/>
+        <a:font script="Osma" typeface="Ebrima"/>
+        <a:font script="Phag" typeface="Phagspa"/>
+        <a:font script="Syrn" typeface="Estrangelo Edessa"/>
+        <a:font script="Syrj" typeface="Estrangelo Edessa"/>
+        <a:font script="Syre" typeface="Estrangelo Edessa"/>
+        <a:font script="Sora" typeface="Nirmala UI"/>
+        <a:font script="Tale" typeface="Microsoft Tai Le"/>
+        <a:font script="Talu" typeface="Microsoft New Tai Lue"/>
+        <a:font script="Tfng" typeface="Ebrima"/>
+      </a:majorFont>
+      <a:minorFont>
+        <a:latin typeface="Calibri" panose="020F0502020204030204"/>
+        <a:ea typeface=""/>
+        <a:cs typeface=""/>
+        <a:font script="Jpan" typeface="游ゴシック"/>
+        <a:font script="Hang" typeface="맑은 고딕"/>
+        <a:font script="Hans" typeface="等线"/>
+        <a:font script="Hant" typeface="新細明體"/>
+        <a:font script="Arab" typeface="Arial"/>
+        <a:font script="Hebr" typeface="Arial"/>
+        <a:font script="Thai" typeface="Cordia New"/>
+        <a:font script="Ethi" typeface="Nyala"/>
+        <a:font script="Beng" typeface="Vrinda"/>
+        <a:font script="Gujr" typeface="Shruti"/>
+        <a:font script="Khmr" typeface="DaunPenh"/>
+        <a:font script="Knda" typeface="Tunga"/>
+        <a:font script="Guru" typeface="Raavi"/>
+        <a:font script="Cans" typeface="Euphemia"/>
+        <a:font script="Cher" typeface="Plantagenet Cherokee"/>
+        <a:font script="Yiii" typeface="Microsoft Yi Baiti"/>
+        <a:font script="Tibt" typeface="Microsoft Himalaya"/>
+        <a:font script="Thaa" typeface="MV Boli"/>
+        <a:font script="Deva" typeface="Mangal"/>
+        <a:font script="Telu" typeface="Gautami"/>
+        <a:font script="Taml" typeface="Latha"/>
+        <a:font script="Syrc" typeface="Estrangelo Edessa"/>
+        <a:font script="Orya" typeface="Kalinga"/>
+        <a:font script="Mlym" typeface="Kartika"/>
+        <a:font script="Laoo" typeface="DokChampa"/>
+        <a:font script="Sinh" typeface="Iskoola Pota"/>
+        <a:font script="Mong" typeface="Mongolian Baiti"/>
+        <a:font script="Viet" typeface="Arial"/>
+        <a:font script="Uigh" typeface="Microsoft Uighur"/>
+        <a:font script="Geor" typeface="Sylfaen"/>
+        <a:font script="Armn" typeface="Arial"/>
+        <a:font script="Bugi" typeface="Leelawadee UI"/>
+        <a:font script="Bopo" typeface="Microsoft JhengHei"/>
+        <a:font script="Java" typeface="Javanese Text"/>
+        <a:font script="Lisu" typeface="Segoe UI"/>
+        <a:font script="Mymr" typeface="Myanmar Text"/>
+        <a:font script="Nkoo" typeface="Ebrima"/>
+        <a:font script="Olck" typeface="Nirmala UI"/>
+        <a:font script="Osma" typeface="Ebrima"/>
+        <a:font script="Phag" typeface="Phagspa"/>
+        <a:font script="Syrn" typeface="Estrangelo Edessa"/>
+        <a:font script="Syrj" typeface="Estrangelo Edessa"/>
+        <a:font script="Syre" typeface="Estrangelo Edessa"/>
+        <a:font script="Sora" typeface="Nirmala UI"/>
+        <a:font script="Tale" typeface="Microsoft Tai Le"/>
+        <a:font script="Talu" typeface="Microsoft New Tai Lue"/>
+        <a:font script="Tfng" typeface="Ebrima"/>
+      </a:minorFont>
+    </a:fontScheme>
+    <a:fmtScheme name="Office">
+      <a:fillStyleLst>
+        <a:solidFill>
+          <a:schemeClr val="phClr"/>
+        </a:solidFill>
+        <a:gradFill rotWithShape="1">
+          <a:gsLst>
+            <a:gs pos="0">
+              <a:schemeClr val="phClr">
+                <a:lumMod val="110000"/>
+                <a:satMod val="105000"/>
+                <a:tint val="67000"/>
+              </a:schemeClr>
+            </a:gs>
+            <a:gs pos="50000">
+              <a:schemeClr val="phClr">
+                <a:lumMod val="105000"/>
+                <a:satMod val="103000"/>
+                <a:tint val="73000"/>
+              </a:schemeClr>
+            </a:gs>
+            <a:gs pos="100000">
+              <a:schemeClr val="phClr">
+                <a:lumMod val="105000"/>
+                <a:satMod val="109000"/>
+                <a:tint val="81000"/>
+              </a:schemeClr>
+            </a:gs>
+          </a:gsLst>
+          <a:lin ang="5400000" scaled="0"/>
+        </a:gradFill>
+        <a:gradFill rotWithShape="1">
+          <a:gsLst>
+            <a:gs pos="0">
+              <a:schemeClr val="phClr">
+                <a:satMod val="103000"/>
+                <a:lumMod val="102000"/>
+                <a:tint val="94000"/>
+              </a:schemeClr>
+            </a:gs>
+            <a:gs pos="50000">
+              <a:schemeClr val="phClr">
+                <a:satMod val="110000"/>
+                <a:lumMod val="100000"/>
+                <a:shade val="100000"/>
+              </a:schemeClr>
+            </a:gs>
+            <a:gs pos="100000">
+              <a:schemeClr val="phClr">
+                <a:lumMod val="99000"/>
+                <a:satMod val="120000"/>
+                <a:shade val="78000"/>
+              </a:schemeClr>
+            </a:gs>
+          </a:gsLst>
+          <a:lin ang="5400000" scaled="0"/>
+        </a:gradFill>
+      </a:fillStyleLst>
+      <a:lnStyleLst>
+        <a:ln w="6350" cap="flat" cmpd="sng" algn="ctr">
+          <a:solidFill>
+            <a:schemeClr val="phClr"/>
+          </a:solidFill>
+          <a:prstDash val="solid"/>
+          <a:miter lim="800000"/>
+        </a:ln>
+        <a:ln w="12700" cap="flat" cmpd="sng" algn="ctr">
+          <a:solidFill>
+            <a:schemeClr val="phClr"/>
+          </a:solidFill>
+          <a:prstDash val="solid"/>
+          <a:miter lim="800000"/>
+        </a:ln>
+        <a:ln w="19050" cap="flat" cmpd="sng" algn="ctr">
+          <a:solidFill>
+            <a:schemeClr val="phClr"/>
+          </a:solidFill>
+          <a:prstDash val="solid"/>
+          <a:miter lim="800000"/>
+        </a:ln>
+      </a:lnStyleLst>
+      <a:effectStyleLst>
+        <a:effectStyle>
+          <a:effectLst/>
+        </a:effectStyle>
+        <a:effectStyle>
+          <a:effectLst/>
+        </a:effectStyle>
+        <a:effectStyle>
+          <a:effectLst>
+            <a:outerShdw blurRad="57150" dist="19050" dir="5400000" algn="ctr" rotWithShape="0">
+              <a:srgbClr val="000000">
+                <a:alpha val="63000"/>
+              </a:srgbClr>
+            </a:outerShdw>
+          </a:effectLst>
+        </a:effectStyle>
+      </a:effectStyleLst>
+      <a:bgFillStyleLst>
+        <a:solidFill>
+          <a:schemeClr val="phClr"/>
+        </a:solidFill>
+        <a:solidFill>
+          <a:schemeClr val="phClr">
+            <a:tint val="95000"/>
+            <a:satMod val="170000"/>
+          </a:schemeClr>
+        </a:solidFill>
+        <a:gradFill rotWithShape="1">
+          <a:gsLst>
+            <a:gs pos="0">
+              <a:schemeClr val="phClr">
+                <a:tint val="93000"/>
+                <a:satMod val="150000"/>
+                <a:shade val="98000"/>
+                <a:lumMod val="102000"/>
+              </a:schemeClr>
+            </a:gs>
+            <a:gs pos="50000">
+              <a:schemeClr val="phClr">
+                <a:tint val="98000"/>
+                <a:satMod val="130000"/>
+                <a:shade val="90000"/>
+                <a:lumMod val="103000"/>
+              </a:schemeClr>
+            </a:gs>
+            <a:gs pos="100000">
+              <a:schemeClr val="phClr">
+                <a:shade val="63000"/>
+                <a:satMod val="120000"/>
+              </a:schemeClr>
+            </a:gs>
+          </a:gsLst>
+          <a:lin ang="5400000" scaled="0"/>
+        </a:gradFill>
+      </a:bgFillStyleLst>
+    </a:fmtScheme>
+  </a:themeElements>
+  <a:objectDefaults/>
+  <a:extraClrSchemeLst/>
+  <a:extLst>
+    <a:ext uri="{05A4C25C-085E-4340-85A3-A5531E510DB2}">
+      <thm15:themeFamily xmlns:thm15="http://schemas.microsoft.com/office/thememl/2012/main" name="Office Theme" id="{62F939B6-93AF-4DB8-9C6B-D6C7DFDC589F}" vid="{4A3C46E8-61CC-4603-A589-7422A47A8E4A}"/>
+    </a:ext>
+  </a:extLst>
+</a:theme>
+</file>
+
+<file path=ppt/theme/theme3.xml><?xml version="1.0" encoding="utf-8"?>
+<a:theme xmlns:a="http://schemas.openxmlformats.org/drawingml/2006/main" name="Office Theme">
+  <a:themeElements>
+    <a:clrScheme name="Office">
+      <a:dk1>
+        <a:sysClr val="windowText" lastClr="000000"/>
+      </a:dk1>
+      <a:lt1>
+        <a:sysClr val="window" lastClr="FFFFFF"/>
+      </a:lt1>
+      <a:dk2>
+        <a:srgbClr val="44546A"/>
+      </a:dk2>
+      <a:lt2>
+        <a:srgbClr val="E7E6E6"/>
+      </a:lt2>
+      <a:accent1>
+        <a:srgbClr val="4472C4"/>
+      </a:accent1>
+      <a:accent2>
+        <a:srgbClr val="ED7D31"/>
+      </a:accent2>
+      <a:accent3>
+        <a:srgbClr val="A5A5A5"/>
+      </a:accent3>
+      <a:accent4>
+        <a:srgbClr val="FFC000"/>
+      </a:accent4>
+      <a:accent5>
+        <a:srgbClr val="5B9BD5"/>
+      </a:accent5>
+      <a:accent6>
+        <a:srgbClr val="70AD47"/>
+      </a:accent6>
+      <a:hlink>
+        <a:srgbClr val="0563C1"/>
+      </a:hlink>
+      <a:folHlink>
+        <a:srgbClr val="954F72"/>
+      </a:folHlink>
+    </a:clrScheme>
+    <a:fontScheme name="Office">
+      <a:majorFont>
+        <a:latin typeface="Calibri Light" panose="020F0302020204030204"/>
+        <a:ea typeface=""/>
+        <a:cs typeface=""/>
+        <a:font script="Jpan" typeface="游ゴシック Light"/>
+        <a:font script="Hang" typeface="맑은 고딕"/>
+        <a:font script="Hans" typeface="等线 Light"/>
+        <a:font script="Hant" typeface="新細明體"/>
+        <a:font script="Arab" typeface="Times New Roman"/>
+        <a:font script="Hebr" typeface="Times New Roman"/>
+        <a:font script="Thai" typeface="Angsana New"/>
+        <a:font script="Ethi" typeface="Nyala"/>
+        <a:font script="Beng" typeface="Vrinda"/>
+        <a:font script="Gujr" typeface="Shruti"/>
+        <a:font script="Khmr" typeface="MoolBoran"/>
+        <a:font script="Knda" typeface="Tunga"/>
+        <a:font script="Guru" typeface="Raavi"/>
+        <a:font script="Cans" typeface="Euphemia"/>
+        <a:font script="Cher" typeface="Plantagenet Cherokee"/>
+        <a:font script="Yiii" typeface="Microsoft Yi Baiti"/>
+        <a:font script="Tibt" typeface="Microsoft Himalaya"/>
+        <a:font script="Thaa" typeface="MV Boli"/>
+        <a:font script="Deva" typeface="Mangal"/>
+        <a:font script="Telu" typeface="Gautami"/>
+        <a:font script="Taml" typeface="Latha"/>
+        <a:font script="Syrc" typeface="Estrangelo Edessa"/>
+        <a:font script="Orya" typeface="Kalinga"/>
+        <a:font script="Mlym" typeface="Kartika"/>
+        <a:font script="Laoo" typeface="DokChampa"/>
+        <a:font script="Sinh" typeface="Iskoola Pota"/>
+        <a:font script="Mong" typeface="Mongolian Baiti"/>
+        <a:font script="Viet" typeface="Times New Roman"/>
+        <a:font script="Uigh" typeface="Microsoft Uighur"/>
+        <a:font script="Geor" typeface="Sylfaen"/>
+        <a:font script="Armn" typeface="Arial"/>
+        <a:font script="Bugi" typeface="Leelawadee UI"/>
+        <a:font script="Bopo" typeface="Microsoft JhengHei"/>
+        <a:font script="Java" typeface="Javanese Text"/>
+        <a:font script="Lisu" typeface="Segoe UI"/>
+        <a:font script="Mymr" typeface="Myanmar Text"/>
+        <a:font script="Nkoo" typeface="Ebrima"/>
+        <a:font script="Olck" typeface="Nirmala UI"/>
+        <a:font script="Osma" typeface="Ebrima"/>
+        <a:font script="Phag" typeface="Phagspa"/>
+        <a:font script="Syrn" typeface="Estrangelo Edessa"/>
+        <a:font script="Syrj" typeface="Estrangelo Edessa"/>
+        <a:font script="Syre" typeface="Estrangelo Edessa"/>
+        <a:font script="Sora" typeface="Nirmala UI"/>
+        <a:font script="Tale" typeface="Microsoft Tai Le"/>
+        <a:font script="Talu" typeface="Microsoft New Tai Lue"/>
+        <a:font script="Tfng" typeface="Ebrima"/>
+      </a:majorFont>
+      <a:minorFont>
+        <a:latin typeface="Calibri" panose="020F0502020204030204"/>
+        <a:ea typeface=""/>
+        <a:cs typeface=""/>
+        <a:font script="Jpan" typeface="游ゴシック"/>
+        <a:font script="Hang" typeface="맑은 고딕"/>
+        <a:font script="Hans" typeface="等线"/>
+        <a:font script="Hant" typeface="新細明體"/>
+        <a:font script="Arab" typeface="Arial"/>
+        <a:font script="Hebr" typeface="Arial"/>
+        <a:font script="Thai" typeface="Cordia New"/>
+        <a:font script="Ethi" typeface="Nyala"/>
+        <a:font script="Beng" typeface="Vrinda"/>
+        <a:font script="Gujr" typeface="Shruti"/>
+        <a:font script="Khmr" typeface="DaunPenh"/>
+        <a:font script="Knda" typeface="Tunga"/>
+        <a:font script="Guru" typeface="Raavi"/>
+        <a:font script="Cans" typeface="Euphemia"/>
+        <a:font script="Cher" typeface="Plantagenet Cherokee"/>
+        <a:font script="Yiii" typeface="Microsoft Yi Baiti"/>
+        <a:font script="Tibt" typeface="Microsoft Himalaya"/>
+        <a:font script="Thaa" typeface="MV Boli"/>
+        <a:font script="Deva" typeface="Mangal"/>
+        <a:font script="Telu" typeface="Gautami"/>
+        <a:font script="Taml" typeface="Latha"/>
+        <a:font script="Syrc" typeface="Estrangelo Edessa"/>
+        <a:font script="Orya" typeface="Kalinga"/>
+        <a:font script="Mlym" typeface="Kartika"/>
+        <a:font script="Laoo" typeface="DokChampa"/>
+        <a:font script="Sinh" typeface="Iskoola Pota"/>
+        <a:font script="Mong" typeface="Mongolian Baiti"/>
+        <a:font script="Viet" typeface="Arial"/>
+        <a:font script="Uigh" typeface="Microsoft Uighur"/>
+        <a:font script="Geor" typeface="Sylfaen"/>
+        <a:font script="Armn" typeface="Arial"/>
+        <a:font script="Bugi" typeface="Leelawadee UI"/>
+        <a:font script="Bopo" typeface="Microsoft JhengHei"/>
+        <a:font script="Java" typeface="Javanese Text"/>
+        <a:font script="Lisu" typeface="Segoe UI"/>
+        <a:font script="Mymr" typeface="Myanmar Text"/>
+        <a:font script="Nkoo" typeface="Ebrima"/>
+        <a:font script="Olck" typeface="Nirmala UI"/>
+        <a:font script="Osma" typeface="Ebrima"/>
+        <a:font script="Phag" typeface="Phagspa"/>
+        <a:font script="Syrn" typeface="Estrangelo Edessa"/>
+        <a:font script="Syrj" typeface="Estrangelo Edessa"/>
+        <a:font script="Syre" typeface="Estrangelo Edessa"/>
+        <a:font script="Sora" typeface="Nirmala UI"/>
+        <a:font script="Tale" typeface="Microsoft Tai Le"/>
+        <a:font script="Talu" typeface="Microsoft New Tai Lue"/>
+        <a:font script="Tfng" typeface="Ebrima"/>
+      </a:minorFont>
+    </a:fontScheme>
+    <a:fmtScheme name="Office">
+      <a:fillStyleLst>
+        <a:solidFill>
+          <a:schemeClr val="phClr"/>
+        </a:solidFill>
+        <a:gradFill rotWithShape="1">
+          <a:gsLst>
+            <a:gs pos="0">
+              <a:schemeClr val="phClr">
+                <a:lumMod val="110000"/>
+                <a:satMod val="105000"/>
+                <a:tint val="67000"/>
+              </a:schemeClr>
+            </a:gs>
+            <a:gs pos="50000">
+              <a:schemeClr val="phClr">
+                <a:lumMod val="105000"/>
+                <a:satMod val="103000"/>
+                <a:tint val="73000"/>
+              </a:schemeClr>
+            </a:gs>
+            <a:gs pos="100000">
+              <a:schemeClr val="phClr">
+                <a:lumMod val="105000"/>
+                <a:satMod val="109000"/>
+                <a:tint val="81000"/>
+              </a:schemeClr>
+            </a:gs>
+          </a:gsLst>
+          <a:lin ang="5400000" scaled="0"/>
+        </a:gradFill>
+        <a:gradFill rotWithShape="1">
+          <a:gsLst>
+            <a:gs pos="0">
+              <a:schemeClr val="phClr">
+                <a:satMod val="103000"/>
+                <a:lumMod val="102000"/>
+                <a:tint val="94000"/>
+              </a:schemeClr>
+            </a:gs>
+            <a:gs pos="50000">
+              <a:schemeClr val="phClr">
+                <a:satMod val="110000"/>
+                <a:lumMod val="100000"/>
+                <a:shade val="100000"/>
+              </a:schemeClr>
+            </a:gs>
+            <a:gs pos="100000">
+              <a:schemeClr val="phClr">
+                <a:lumMod val="99000"/>
+                <a:satMod val="120000"/>
+                <a:shade val="78000"/>
+              </a:schemeClr>
+            </a:gs>
+          </a:gsLst>
+          <a:lin ang="5400000" scaled="0"/>
+        </a:gradFill>
+      </a:fillStyleLst>
+      <a:lnStyleLst>
+        <a:ln w="6350" cap="flat" cmpd="sng" algn="ctr">
+          <a:solidFill>
+            <a:schemeClr val="phClr"/>
+          </a:solidFill>
+          <a:prstDash val="solid"/>
+          <a:miter lim="800000"/>
+        </a:ln>
+        <a:ln w="12700" cap="flat" cmpd="sng" algn="ctr">
+          <a:solidFill>
+            <a:schemeClr val="phClr"/>
+          </a:solidFill>
+          <a:prstDash val="solid"/>
+          <a:miter lim="800000"/>
+        </a:ln>
+        <a:ln w="19050" cap="flat" cmpd="sng" algn="ctr">
+          <a:solidFill>
+            <a:schemeClr val="phClr"/>
+          </a:solidFill>
+          <a:prstDash val="solid"/>
+          <a:miter lim="800000"/>
+        </a:ln>
+      </a:lnStyleLst>
+      <a:effectStyleLst>
+        <a:effectStyle>
+          <a:effectLst/>
+        </a:effectStyle>
+        <a:effectStyle>
+          <a:effectLst/>
+        </a:effectStyle>
+        <a:effectStyle>
+          <a:effectLst>
+            <a:outerShdw blurRad="57150" dist="19050" dir="5400000" algn="ctr" rotWithShape="0">
+              <a:srgbClr val="000000">
+                <a:alpha val="63000"/>
+              </a:srgbClr>
+            </a:outerShdw>
+          </a:effectLst>
+        </a:effectStyle>
+      </a:effectStyleLst>
+      <a:bgFillStyleLst>
+        <a:solidFill>
+          <a:schemeClr val="phClr"/>
+        </a:solidFill>
+        <a:solidFill>
+          <a:schemeClr val="phClr">
+            <a:tint val="95000"/>
+            <a:satMod val="170000"/>
+          </a:schemeClr>
+        </a:solidFill>
+        <a:gradFill rotWithShape="1">
+          <a:gsLst>
+            <a:gs pos="0">
+              <a:schemeClr val="phClr">
+                <a:tint val="93000"/>
+                <a:satMod val="150000"/>
+                <a:shade val="98000"/>
+                <a:lumMod val="102000"/>
+              </a:schemeClr>
+            </a:gs>
+            <a:gs pos="50000">
+              <a:schemeClr val="phClr">
+                <a:tint val="98000"/>
+                <a:satMod val="130000"/>
+                <a:shade val="90000"/>
+                <a:lumMod val="103000"/>
+              </a:schemeClr>
+            </a:gs>
+            <a:gs pos="100000">
+              <a:schemeClr val="phClr">
+                <a:shade val="63000"/>
+                <a:satMod val="120000"/>
+              </a:schemeClr>
+            </a:gs>
+          </a:gsLst>
+          <a:lin ang="5400000" scaled="0"/>
+        </a:gradFill>
+      </a:bgFillStyleLst>
+    </a:fmtScheme>
+  </a:themeElements>
+  <a:objectDefaults/>
+  <a:extraClrSchemeLst/>
+  <a:extLst>
+    <a:ext uri="{05A4C25C-085E-4340-85A3-A5531E510DB2}">
+      <thm15:themeFamily xmlns:thm15="http://schemas.microsoft.com/office/thememl/2012/main" name="Office Theme" id="{62F939B6-93AF-4DB8-9C6B-D6C7DFDC589F}" vid="{4A3C46E8-61CC-4603-A589-7422A47A8E4A}"/>
+    </a:ext>
+  </a:extLst>
+</a:theme>
 </file>